--- a/Smart Electrical Appliance Control.pptx
+++ b/Smart Electrical Appliance Control.pptx
@@ -268,7 +268,7 @@
           <a:p>
             <a:fld id="{E350D33A-3076-4B8D-9E8B-9E7C0DCF2519}" type="datetimeFigureOut">
               <a:rPr lang="en-US" smtClean="0"/>
-              <a:t>21-Jan-22</a:t>
+              <a:t>20-Feb-22</a:t>
             </a:fld>
             <a:endParaRPr lang="en-US"/>
           </a:p>
@@ -466,7 +466,7 @@
           <a:p>
             <a:fld id="{E350D33A-3076-4B8D-9E8B-9E7C0DCF2519}" type="datetimeFigureOut">
               <a:rPr lang="en-US" smtClean="0"/>
-              <a:t>21-Jan-22</a:t>
+              <a:t>20-Feb-22</a:t>
             </a:fld>
             <a:endParaRPr lang="en-US"/>
           </a:p>
@@ -674,7 +674,7 @@
           <a:p>
             <a:fld id="{E350D33A-3076-4B8D-9E8B-9E7C0DCF2519}" type="datetimeFigureOut">
               <a:rPr lang="en-US" smtClean="0"/>
-              <a:t>21-Jan-22</a:t>
+              <a:t>20-Feb-22</a:t>
             </a:fld>
             <a:endParaRPr lang="en-US"/>
           </a:p>
@@ -872,7 +872,7 @@
           <a:p>
             <a:fld id="{E350D33A-3076-4B8D-9E8B-9E7C0DCF2519}" type="datetimeFigureOut">
               <a:rPr lang="en-US" smtClean="0"/>
-              <a:t>21-Jan-22</a:t>
+              <a:t>20-Feb-22</a:t>
             </a:fld>
             <a:endParaRPr lang="en-US"/>
           </a:p>
@@ -1147,7 +1147,7 @@
           <a:p>
             <a:fld id="{E350D33A-3076-4B8D-9E8B-9E7C0DCF2519}" type="datetimeFigureOut">
               <a:rPr lang="en-US" smtClean="0"/>
-              <a:t>21-Jan-22</a:t>
+              <a:t>20-Feb-22</a:t>
             </a:fld>
             <a:endParaRPr lang="en-US"/>
           </a:p>
@@ -1412,7 +1412,7 @@
           <a:p>
             <a:fld id="{E350D33A-3076-4B8D-9E8B-9E7C0DCF2519}" type="datetimeFigureOut">
               <a:rPr lang="en-US" smtClean="0"/>
-              <a:t>21-Jan-22</a:t>
+              <a:t>20-Feb-22</a:t>
             </a:fld>
             <a:endParaRPr lang="en-US"/>
           </a:p>
@@ -1824,7 +1824,7 @@
           <a:p>
             <a:fld id="{E350D33A-3076-4B8D-9E8B-9E7C0DCF2519}" type="datetimeFigureOut">
               <a:rPr lang="en-US" smtClean="0"/>
-              <a:t>21-Jan-22</a:t>
+              <a:t>20-Feb-22</a:t>
             </a:fld>
             <a:endParaRPr lang="en-US"/>
           </a:p>
@@ -1965,7 +1965,7 @@
           <a:p>
             <a:fld id="{E350D33A-3076-4B8D-9E8B-9E7C0DCF2519}" type="datetimeFigureOut">
               <a:rPr lang="en-US" smtClean="0"/>
-              <a:t>21-Jan-22</a:t>
+              <a:t>20-Feb-22</a:t>
             </a:fld>
             <a:endParaRPr lang="en-US"/>
           </a:p>
@@ -2078,7 +2078,7 @@
           <a:p>
             <a:fld id="{E350D33A-3076-4B8D-9E8B-9E7C0DCF2519}" type="datetimeFigureOut">
               <a:rPr lang="en-US" smtClean="0"/>
-              <a:t>21-Jan-22</a:t>
+              <a:t>20-Feb-22</a:t>
             </a:fld>
             <a:endParaRPr lang="en-US"/>
           </a:p>
@@ -2389,7 +2389,7 @@
           <a:p>
             <a:fld id="{E350D33A-3076-4B8D-9E8B-9E7C0DCF2519}" type="datetimeFigureOut">
               <a:rPr lang="en-US" smtClean="0"/>
-              <a:t>21-Jan-22</a:t>
+              <a:t>20-Feb-22</a:t>
             </a:fld>
             <a:endParaRPr lang="en-US"/>
           </a:p>
@@ -2677,7 +2677,7 @@
           <a:p>
             <a:fld id="{E350D33A-3076-4B8D-9E8B-9E7C0DCF2519}" type="datetimeFigureOut">
               <a:rPr lang="en-US" smtClean="0"/>
-              <a:t>21-Jan-22</a:t>
+              <a:t>20-Feb-22</a:t>
             </a:fld>
             <a:endParaRPr lang="en-US"/>
           </a:p>
@@ -2918,7 +2918,7 @@
           <a:p>
             <a:fld id="{E350D33A-3076-4B8D-9E8B-9E7C0DCF2519}" type="datetimeFigureOut">
               <a:rPr lang="en-US" smtClean="0"/>
-              <a:t>21-Jan-22</a:t>
+              <a:t>20-Feb-22</a:t>
             </a:fld>
             <a:endParaRPr lang="en-US"/>
           </a:p>
@@ -3550,15 +3550,15 @@
           <a:p>
             <a:r>
               <a:rPr lang="en-US" dirty="0"/>
-              <a:t>If you have any questions now would be the perfect </a:t>
-            </a:r>
-            <a:r>
-              <a:rPr lang="en-US" dirty="0" err="1"/>
-              <a:t>tume</a:t>
+              <a:t>If you have any questions now would be the </a:t>
+            </a:r>
+            <a:r>
+              <a:rPr lang="en-US"/>
+              <a:t>perfect time </a:t>
             </a:r>
             <a:r>
               <a:rPr lang="en-US" dirty="0"/>
-              <a:t> to go ahead</a:t>
+              <a:t>to go ahead</a:t>
             </a:r>
           </a:p>
         </p:txBody>
